--- a/React-query.pptx
+++ b/React-query.pptx
@@ -176,7 +176,7 @@
           <a:noFill/>
           <a:extLst>
             <a:ext uri="{909E8E84-426E-40dd-AFC4-6F175D3DCCD1}">
-              <a14:hiddenFill xmlns:a14="http://schemas.microsoft.com/office/drawing/2010/main" xmlns="">
+              <a14:hiddenFill xmlns="" xmlns:a14="http://schemas.microsoft.com/office/drawing/2010/main">
                 <a:solidFill>
                   <a:srgbClr val="FFFFFF"/>
                 </a:solidFill>
@@ -236,7 +236,7 @@
             </a:ln>
             <a:extLst>
               <a:ext uri="{91240B29-F687-4f45-9708-019B960494DF}">
-                <a14:hiddenLine xmlns:a14="http://schemas.microsoft.com/office/drawing/2010/main" xmlns="" w="9525">
+                <a14:hiddenLine xmlns="" xmlns:a14="http://schemas.microsoft.com/office/drawing/2010/main" w="9525">
                   <a:solidFill>
                     <a:srgbClr val="000000"/>
                   </a:solidFill>
@@ -326,7 +326,7 @@
             </a:ln>
             <a:extLst>
               <a:ext uri="{91240B29-F687-4f45-9708-019B960494DF}">
-                <a14:hiddenLine xmlns:a14="http://schemas.microsoft.com/office/drawing/2010/main" xmlns="" w="9525">
+                <a14:hiddenLine xmlns="" xmlns:a14="http://schemas.microsoft.com/office/drawing/2010/main" w="9525">
                   <a:solidFill>
                     <a:srgbClr val="000000"/>
                   </a:solidFill>
@@ -416,7 +416,7 @@
             </a:ln>
             <a:extLst>
               <a:ext uri="{91240B29-F687-4f45-9708-019B960494DF}">
-                <a14:hiddenLine xmlns:a14="http://schemas.microsoft.com/office/drawing/2010/main" xmlns="" w="9525">
+                <a14:hiddenLine xmlns="" xmlns:a14="http://schemas.microsoft.com/office/drawing/2010/main" w="9525">
                   <a:solidFill>
                     <a:srgbClr val="000000"/>
                   </a:solidFill>
@@ -450,7 +450,7 @@
             </a:ln>
             <a:extLst>
               <a:ext uri="{91240B29-F687-4f45-9708-019B960494DF}">
-                <a14:hiddenLine xmlns:a14="http://schemas.microsoft.com/office/drawing/2010/main" xmlns="" w="9525">
+                <a14:hiddenLine xmlns="" xmlns:a14="http://schemas.microsoft.com/office/drawing/2010/main" w="9525">
                   <a:solidFill>
                     <a:srgbClr val="000000"/>
                   </a:solidFill>
@@ -540,7 +540,7 @@
             </a:ln>
             <a:extLst>
               <a:ext uri="{91240B29-F687-4f45-9708-019B960494DF}">
-                <a14:hiddenLine xmlns:a14="http://schemas.microsoft.com/office/drawing/2010/main" xmlns="" w="9525">
+                <a14:hiddenLine xmlns="" xmlns:a14="http://schemas.microsoft.com/office/drawing/2010/main" w="9525">
                   <a:solidFill>
                     <a:srgbClr val="000000"/>
                   </a:solidFill>
@@ -602,7 +602,7 @@
             </a:ln>
             <a:extLst>
               <a:ext uri="{91240B29-F687-4f45-9708-019B960494DF}">
-                <a14:hiddenLine xmlns:a14="http://schemas.microsoft.com/office/drawing/2010/main" xmlns="" w="9525">
+                <a14:hiddenLine xmlns="" xmlns:a14="http://schemas.microsoft.com/office/drawing/2010/main" w="9525">
                   <a:solidFill>
                     <a:srgbClr val="000000"/>
                   </a:solidFill>
@@ -664,7 +664,7 @@
             </a:ln>
             <a:extLst>
               <a:ext uri="{91240B29-F687-4f45-9708-019B960494DF}">
-                <a14:hiddenLine xmlns:a14="http://schemas.microsoft.com/office/drawing/2010/main" xmlns="" w="9525">
+                <a14:hiddenLine xmlns="" xmlns:a14="http://schemas.microsoft.com/office/drawing/2010/main" w="9525">
                   <a:solidFill>
                     <a:srgbClr val="000000"/>
                   </a:solidFill>
@@ -754,7 +754,7 @@
             </a:ln>
             <a:extLst>
               <a:ext uri="{91240B29-F687-4f45-9708-019B960494DF}">
-                <a14:hiddenLine xmlns:a14="http://schemas.microsoft.com/office/drawing/2010/main" xmlns="" w="9525">
+                <a14:hiddenLine xmlns="" xmlns:a14="http://schemas.microsoft.com/office/drawing/2010/main" w="9525">
                   <a:solidFill>
                     <a:srgbClr val="000000"/>
                   </a:solidFill>
@@ -816,7 +816,7 @@
             </a:ln>
             <a:extLst>
               <a:ext uri="{91240B29-F687-4f45-9708-019B960494DF}">
-                <a14:hiddenLine xmlns:a14="http://schemas.microsoft.com/office/drawing/2010/main" xmlns="" w="9525">
+                <a14:hiddenLine xmlns="" xmlns:a14="http://schemas.microsoft.com/office/drawing/2010/main" w="9525">
                   <a:solidFill>
                     <a:srgbClr val="000000"/>
                   </a:solidFill>
@@ -878,7 +878,7 @@
             </a:ln>
             <a:extLst>
               <a:ext uri="{91240B29-F687-4f45-9708-019B960494DF}">
-                <a14:hiddenLine xmlns:a14="http://schemas.microsoft.com/office/drawing/2010/main" xmlns="" w="9525">
+                <a14:hiddenLine xmlns="" xmlns:a14="http://schemas.microsoft.com/office/drawing/2010/main" w="9525">
                   <a:solidFill>
                     <a:srgbClr val="000000"/>
                   </a:solidFill>
@@ -968,7 +968,7 @@
             </a:ln>
             <a:extLst>
               <a:ext uri="{91240B29-F687-4f45-9708-019B960494DF}">
-                <a14:hiddenLine xmlns:a14="http://schemas.microsoft.com/office/drawing/2010/main" xmlns="" w="9525">
+                <a14:hiddenLine xmlns="" xmlns:a14="http://schemas.microsoft.com/office/drawing/2010/main" w="9525">
                   <a:solidFill>
                     <a:srgbClr val="000000"/>
                   </a:solidFill>
@@ -1058,7 +1058,7 @@
             </a:ln>
             <a:extLst>
               <a:ext uri="{91240B29-F687-4f45-9708-019B960494DF}">
-                <a14:hiddenLine xmlns:a14="http://schemas.microsoft.com/office/drawing/2010/main" xmlns="" w="9525">
+                <a14:hiddenLine xmlns="" xmlns:a14="http://schemas.microsoft.com/office/drawing/2010/main" w="9525">
                   <a:solidFill>
                     <a:srgbClr val="000000"/>
                   </a:solidFill>
@@ -1120,7 +1120,7 @@
             </a:ln>
             <a:extLst>
               <a:ext uri="{91240B29-F687-4f45-9708-019B960494DF}">
-                <a14:hiddenLine xmlns:a14="http://schemas.microsoft.com/office/drawing/2010/main" xmlns="" w="9525">
+                <a14:hiddenLine xmlns="" xmlns:a14="http://schemas.microsoft.com/office/drawing/2010/main" w="9525">
                   <a:solidFill>
                     <a:srgbClr val="000000"/>
                   </a:solidFill>
@@ -1230,7 +1230,7 @@
             </a:ln>
             <a:extLst>
               <a:ext uri="{91240B29-F687-4f45-9708-019B960494DF}">
-                <a14:hiddenLine xmlns:a14="http://schemas.microsoft.com/office/drawing/2010/main" xmlns="" w="9525">
+                <a14:hiddenLine xmlns="" xmlns:a14="http://schemas.microsoft.com/office/drawing/2010/main" w="9525">
                   <a:solidFill>
                     <a:srgbClr val="000000"/>
                   </a:solidFill>
@@ -1292,7 +1292,7 @@
             </a:ln>
             <a:extLst>
               <a:ext uri="{91240B29-F687-4f45-9708-019B960494DF}">
-                <a14:hiddenLine xmlns:a14="http://schemas.microsoft.com/office/drawing/2010/main" xmlns="" w="9525">
+                <a14:hiddenLine xmlns="" xmlns:a14="http://schemas.microsoft.com/office/drawing/2010/main" w="9525">
                   <a:solidFill>
                     <a:srgbClr val="000000"/>
                   </a:solidFill>
@@ -1382,7 +1382,7 @@
             </a:ln>
             <a:extLst>
               <a:ext uri="{91240B29-F687-4f45-9708-019B960494DF}">
-                <a14:hiddenLine xmlns:a14="http://schemas.microsoft.com/office/drawing/2010/main" xmlns="" w="9525">
+                <a14:hiddenLine xmlns="" xmlns:a14="http://schemas.microsoft.com/office/drawing/2010/main" w="9525">
                   <a:solidFill>
                     <a:srgbClr val="000000"/>
                   </a:solidFill>
@@ -1472,7 +1472,7 @@
             </a:ln>
             <a:extLst>
               <a:ext uri="{91240B29-F687-4f45-9708-019B960494DF}">
-                <a14:hiddenLine xmlns:a14="http://schemas.microsoft.com/office/drawing/2010/main" xmlns="" w="9525">
+                <a14:hiddenLine xmlns="" xmlns:a14="http://schemas.microsoft.com/office/drawing/2010/main" w="9525">
                   <a:solidFill>
                     <a:srgbClr val="000000"/>
                   </a:solidFill>
@@ -1534,7 +1534,7 @@
             </a:ln>
             <a:extLst>
               <a:ext uri="{91240B29-F687-4f45-9708-019B960494DF}">
-                <a14:hiddenLine xmlns:a14="http://schemas.microsoft.com/office/drawing/2010/main" xmlns="" w="9525">
+                <a14:hiddenLine xmlns="" xmlns:a14="http://schemas.microsoft.com/office/drawing/2010/main" w="9525">
                   <a:solidFill>
                     <a:srgbClr val="000000"/>
                   </a:solidFill>
@@ -1624,7 +1624,7 @@
             </a:ln>
             <a:extLst>
               <a:ext uri="{91240B29-F687-4f45-9708-019B960494DF}">
-                <a14:hiddenLine xmlns:a14="http://schemas.microsoft.com/office/drawing/2010/main" xmlns="" w="9525">
+                <a14:hiddenLine xmlns="" xmlns:a14="http://schemas.microsoft.com/office/drawing/2010/main" w="9525">
                   <a:solidFill>
                     <a:srgbClr val="000000"/>
                   </a:solidFill>
@@ -1714,7 +1714,7 @@
             </a:ln>
             <a:extLst>
               <a:ext uri="{91240B29-F687-4f45-9708-019B960494DF}">
-                <a14:hiddenLine xmlns:a14="http://schemas.microsoft.com/office/drawing/2010/main" xmlns="" w="9525">
+                <a14:hiddenLine xmlns="" xmlns:a14="http://schemas.microsoft.com/office/drawing/2010/main" w="9525">
                   <a:solidFill>
                     <a:srgbClr val="000000"/>
                   </a:solidFill>
@@ -1770,7 +1770,7 @@
             </a:ln>
             <a:extLst>
               <a:ext uri="{91240B29-F687-4f45-9708-019B960494DF}">
-                <a14:hiddenLine xmlns:a14="http://schemas.microsoft.com/office/drawing/2010/main" xmlns="" w="9525">
+                <a14:hiddenLine xmlns="" xmlns:a14="http://schemas.microsoft.com/office/drawing/2010/main" w="9525">
                   <a:solidFill>
                     <a:srgbClr val="000000"/>
                   </a:solidFill>
@@ -1860,7 +1860,7 @@
             </a:ln>
             <a:extLst>
               <a:ext uri="{91240B29-F687-4f45-9708-019B960494DF}">
-                <a14:hiddenLine xmlns:a14="http://schemas.microsoft.com/office/drawing/2010/main" xmlns="" w="9525">
+                <a14:hiddenLine xmlns="" xmlns:a14="http://schemas.microsoft.com/office/drawing/2010/main" w="9525">
                   <a:solidFill>
                     <a:srgbClr val="000000"/>
                   </a:solidFill>
@@ -1916,7 +1916,7 @@
             </a:ln>
             <a:extLst>
               <a:ext uri="{91240B29-F687-4f45-9708-019B960494DF}">
-                <a14:hiddenLine xmlns:a14="http://schemas.microsoft.com/office/drawing/2010/main" xmlns="" w="9525">
+                <a14:hiddenLine xmlns="" xmlns:a14="http://schemas.microsoft.com/office/drawing/2010/main" w="9525">
                   <a:solidFill>
                     <a:srgbClr val="000000"/>
                   </a:solidFill>
@@ -2006,7 +2006,7 @@
             </a:ln>
             <a:extLst>
               <a:ext uri="{91240B29-F687-4f45-9708-019B960494DF}">
-                <a14:hiddenLine xmlns:a14="http://schemas.microsoft.com/office/drawing/2010/main" xmlns="" w="9525">
+                <a14:hiddenLine xmlns="" xmlns:a14="http://schemas.microsoft.com/office/drawing/2010/main" w="9525">
                   <a:solidFill>
                     <a:srgbClr val="000000"/>
                   </a:solidFill>
@@ -2074,7 +2074,7 @@
             </a:ln>
             <a:extLst>
               <a:ext uri="{91240B29-F687-4f45-9708-019B960494DF}">
-                <a14:hiddenLine xmlns:a14="http://schemas.microsoft.com/office/drawing/2010/main" xmlns="" w="9525">
+                <a14:hiddenLine xmlns="" xmlns:a14="http://schemas.microsoft.com/office/drawing/2010/main" w="9525">
                   <a:solidFill>
                     <a:srgbClr val="000000"/>
                   </a:solidFill>
@@ -2164,7 +2164,7 @@
             </a:ln>
             <a:extLst>
               <a:ext uri="{91240B29-F687-4f45-9708-019B960494DF}">
-                <a14:hiddenLine xmlns:a14="http://schemas.microsoft.com/office/drawing/2010/main" xmlns="" w="9525">
+                <a14:hiddenLine xmlns="" xmlns:a14="http://schemas.microsoft.com/office/drawing/2010/main" w="9525">
                   <a:solidFill>
                     <a:srgbClr val="000000"/>
                   </a:solidFill>
@@ -2232,7 +2232,7 @@
             </a:ln>
             <a:extLst>
               <a:ext uri="{91240B29-F687-4f45-9708-019B960494DF}">
-                <a14:hiddenLine xmlns:a14="http://schemas.microsoft.com/office/drawing/2010/main" xmlns="" w="9525">
+                <a14:hiddenLine xmlns="" xmlns:a14="http://schemas.microsoft.com/office/drawing/2010/main" w="9525">
                   <a:solidFill>
                     <a:srgbClr val="000000"/>
                   </a:solidFill>
@@ -2322,7 +2322,7 @@
             </a:ln>
             <a:extLst>
               <a:ext uri="{91240B29-F687-4f45-9708-019B960494DF}">
-                <a14:hiddenLine xmlns:a14="http://schemas.microsoft.com/office/drawing/2010/main" xmlns="" w="9525">
+                <a14:hiddenLine xmlns="" xmlns:a14="http://schemas.microsoft.com/office/drawing/2010/main" w="9525">
                   <a:solidFill>
                     <a:srgbClr val="000000"/>
                   </a:solidFill>
@@ -2356,7 +2356,7 @@
             </a:ln>
             <a:extLst>
               <a:ext uri="{91240B29-F687-4f45-9708-019B960494DF}">
-                <a14:hiddenLine xmlns:a14="http://schemas.microsoft.com/office/drawing/2010/main" xmlns="" w="9525">
+                <a14:hiddenLine xmlns="" xmlns:a14="http://schemas.microsoft.com/office/drawing/2010/main" w="9525">
                   <a:solidFill>
                     <a:srgbClr val="000000"/>
                   </a:solidFill>
@@ -2446,7 +2446,7 @@
             </a:ln>
             <a:extLst>
               <a:ext uri="{91240B29-F687-4f45-9708-019B960494DF}">
-                <a14:hiddenLine xmlns:a14="http://schemas.microsoft.com/office/drawing/2010/main" xmlns="" w="9525">
+                <a14:hiddenLine xmlns="" xmlns:a14="http://schemas.microsoft.com/office/drawing/2010/main" w="9525">
                   <a:solidFill>
                     <a:srgbClr val="000000"/>
                   </a:solidFill>
@@ -2508,7 +2508,7 @@
             </a:ln>
             <a:extLst>
               <a:ext uri="{91240B29-F687-4f45-9708-019B960494DF}">
-                <a14:hiddenLine xmlns:a14="http://schemas.microsoft.com/office/drawing/2010/main" xmlns="" w="9525">
+                <a14:hiddenLine xmlns="" xmlns:a14="http://schemas.microsoft.com/office/drawing/2010/main" w="9525">
                   <a:solidFill>
                     <a:srgbClr val="000000"/>
                   </a:solidFill>
@@ -2570,7 +2570,7 @@
             </a:ln>
             <a:extLst>
               <a:ext uri="{91240B29-F687-4f45-9708-019B960494DF}">
-                <a14:hiddenLine xmlns:a14="http://schemas.microsoft.com/office/drawing/2010/main" xmlns="" w="9525">
+                <a14:hiddenLine xmlns="" xmlns:a14="http://schemas.microsoft.com/office/drawing/2010/main" w="9525">
                   <a:solidFill>
                     <a:srgbClr val="000000"/>
                   </a:solidFill>
@@ -2660,7 +2660,7 @@
             </a:ln>
             <a:extLst>
               <a:ext uri="{91240B29-F687-4f45-9708-019B960494DF}">
-                <a14:hiddenLine xmlns:a14="http://schemas.microsoft.com/office/drawing/2010/main" xmlns="" w="9525">
+                <a14:hiddenLine xmlns="" xmlns:a14="http://schemas.microsoft.com/office/drawing/2010/main" w="9525">
                   <a:solidFill>
                     <a:srgbClr val="000000"/>
                   </a:solidFill>
@@ -2728,7 +2728,7 @@
             </a:ln>
             <a:extLst>
               <a:ext uri="{91240B29-F687-4f45-9708-019B960494DF}">
-                <a14:hiddenLine xmlns:a14="http://schemas.microsoft.com/office/drawing/2010/main" xmlns="" w="9525">
+                <a14:hiddenLine xmlns="" xmlns:a14="http://schemas.microsoft.com/office/drawing/2010/main" w="9525">
                   <a:solidFill>
                     <a:srgbClr val="000000"/>
                   </a:solidFill>
@@ -2790,7 +2790,7 @@
             </a:ln>
             <a:extLst>
               <a:ext uri="{91240B29-F687-4f45-9708-019B960494DF}">
-                <a14:hiddenLine xmlns:a14="http://schemas.microsoft.com/office/drawing/2010/main" xmlns="" w="9525">
+                <a14:hiddenLine xmlns="" xmlns:a14="http://schemas.microsoft.com/office/drawing/2010/main" w="9525">
                   <a:solidFill>
                     <a:srgbClr val="000000"/>
                   </a:solidFill>
@@ -2880,7 +2880,7 @@
             </a:ln>
             <a:extLst>
               <a:ext uri="{91240B29-F687-4f45-9708-019B960494DF}">
-                <a14:hiddenLine xmlns:a14="http://schemas.microsoft.com/office/drawing/2010/main" xmlns="" w="9525">
+                <a14:hiddenLine xmlns="" xmlns:a14="http://schemas.microsoft.com/office/drawing/2010/main" w="9525">
                   <a:solidFill>
                     <a:srgbClr val="000000"/>
                   </a:solidFill>
@@ -2942,7 +2942,7 @@
             </a:ln>
             <a:extLst>
               <a:ext uri="{91240B29-F687-4f45-9708-019B960494DF}">
-                <a14:hiddenLine xmlns:a14="http://schemas.microsoft.com/office/drawing/2010/main" xmlns="" w="9525">
+                <a14:hiddenLine xmlns="" xmlns:a14="http://schemas.microsoft.com/office/drawing/2010/main" w="9525">
                   <a:solidFill>
                     <a:srgbClr val="000000"/>
                   </a:solidFill>
@@ -3032,7 +3032,7 @@
             </a:ln>
             <a:extLst>
               <a:ext uri="{91240B29-F687-4f45-9708-019B960494DF}">
-                <a14:hiddenLine xmlns:a14="http://schemas.microsoft.com/office/drawing/2010/main" xmlns="" w="9525">
+                <a14:hiddenLine xmlns="" xmlns:a14="http://schemas.microsoft.com/office/drawing/2010/main" w="9525">
                   <a:solidFill>
                     <a:srgbClr val="000000"/>
                   </a:solidFill>
@@ -3094,7 +3094,7 @@
             </a:ln>
             <a:extLst>
               <a:ext uri="{91240B29-F687-4f45-9708-019B960494DF}">
-                <a14:hiddenLine xmlns:a14="http://schemas.microsoft.com/office/drawing/2010/main" xmlns="" w="9525">
+                <a14:hiddenLine xmlns="" xmlns:a14="http://schemas.microsoft.com/office/drawing/2010/main" w="9525">
                   <a:solidFill>
                     <a:srgbClr val="000000"/>
                   </a:solidFill>
@@ -3184,7 +3184,7 @@
             </a:ln>
             <a:extLst>
               <a:ext uri="{91240B29-F687-4f45-9708-019B960494DF}">
-                <a14:hiddenLine xmlns:a14="http://schemas.microsoft.com/office/drawing/2010/main" xmlns="" w="9525">
+                <a14:hiddenLine xmlns="" xmlns:a14="http://schemas.microsoft.com/office/drawing/2010/main" w="9525">
                   <a:solidFill>
                     <a:srgbClr val="000000"/>
                   </a:solidFill>
@@ -3218,7 +3218,7 @@
             </a:ln>
             <a:extLst>
               <a:ext uri="{91240B29-F687-4f45-9708-019B960494DF}">
-                <a14:hiddenLine xmlns:a14="http://schemas.microsoft.com/office/drawing/2010/main" xmlns="" w="9525">
+                <a14:hiddenLine xmlns="" xmlns:a14="http://schemas.microsoft.com/office/drawing/2010/main" w="9525">
                   <a:solidFill>
                     <a:srgbClr val="000000"/>
                   </a:solidFill>
@@ -3283,7 +3283,7 @@
             </a:ln>
             <a:extLst>
               <a:ext uri="{91240B29-F687-4f45-9708-019B960494DF}">
-                <a14:hiddenLine xmlns:a14="http://schemas.microsoft.com/office/drawing/2010/main" xmlns="" w="9525">
+                <a14:hiddenLine xmlns="" xmlns:a14="http://schemas.microsoft.com/office/drawing/2010/main" w="9525">
                   <a:solidFill>
                     <a:srgbClr val="000000"/>
                   </a:solidFill>
@@ -3373,7 +3373,7 @@
             </a:ln>
             <a:extLst>
               <a:ext uri="{91240B29-F687-4f45-9708-019B960494DF}">
-                <a14:hiddenLine xmlns:a14="http://schemas.microsoft.com/office/drawing/2010/main" xmlns="" w="9525">
+                <a14:hiddenLine xmlns="" xmlns:a14="http://schemas.microsoft.com/office/drawing/2010/main" w="9525">
                   <a:solidFill>
                     <a:srgbClr val="000000"/>
                   </a:solidFill>
@@ -3435,7 +3435,7 @@
             </a:ln>
             <a:extLst>
               <a:ext uri="{91240B29-F687-4f45-9708-019B960494DF}">
-                <a14:hiddenLine xmlns:a14="http://schemas.microsoft.com/office/drawing/2010/main" xmlns="" w="9525">
+                <a14:hiddenLine xmlns="" xmlns:a14="http://schemas.microsoft.com/office/drawing/2010/main" w="9525">
                   <a:solidFill>
                     <a:srgbClr val="000000"/>
                   </a:solidFill>
@@ -3525,7 +3525,7 @@
             </a:ln>
             <a:extLst>
               <a:ext uri="{91240B29-F687-4f45-9708-019B960494DF}">
-                <a14:hiddenLine xmlns:a14="http://schemas.microsoft.com/office/drawing/2010/main" xmlns="" w="9525">
+                <a14:hiddenLine xmlns="" xmlns:a14="http://schemas.microsoft.com/office/drawing/2010/main" w="9525">
                   <a:solidFill>
                     <a:srgbClr val="000000"/>
                   </a:solidFill>
@@ -3615,7 +3615,7 @@
             </a:ln>
             <a:extLst>
               <a:ext uri="{91240B29-F687-4f45-9708-019B960494DF}">
-                <a14:hiddenLine xmlns:a14="http://schemas.microsoft.com/office/drawing/2010/main" xmlns="" w="9525">
+                <a14:hiddenLine xmlns="" xmlns:a14="http://schemas.microsoft.com/office/drawing/2010/main" w="9525">
                   <a:solidFill>
                     <a:srgbClr val="000000"/>
                   </a:solidFill>
@@ -3680,7 +3680,7 @@
             </a:ln>
             <a:extLst>
               <a:ext uri="{91240B29-F687-4f45-9708-019B960494DF}">
-                <a14:hiddenLine xmlns:a14="http://schemas.microsoft.com/office/drawing/2010/main" xmlns="" w="9525">
+                <a14:hiddenLine xmlns="" xmlns:a14="http://schemas.microsoft.com/office/drawing/2010/main" w="9525">
                   <a:solidFill>
                     <a:srgbClr val="000000"/>
                   </a:solidFill>
@@ -3742,7 +3742,7 @@
             </a:ln>
             <a:extLst>
               <a:ext uri="{91240B29-F687-4f45-9708-019B960494DF}">
-                <a14:hiddenLine xmlns:a14="http://schemas.microsoft.com/office/drawing/2010/main" xmlns="" w="9525">
+                <a14:hiddenLine xmlns="" xmlns:a14="http://schemas.microsoft.com/office/drawing/2010/main" w="9525">
                   <a:solidFill>
                     <a:srgbClr val="000000"/>
                   </a:solidFill>
@@ -3832,7 +3832,7 @@
             </a:ln>
             <a:extLst>
               <a:ext uri="{91240B29-F687-4f45-9708-019B960494DF}">
-                <a14:hiddenLine xmlns:a14="http://schemas.microsoft.com/office/drawing/2010/main" xmlns="" w="9525">
+                <a14:hiddenLine xmlns="" xmlns:a14="http://schemas.microsoft.com/office/drawing/2010/main" w="9525">
                   <a:solidFill>
                     <a:srgbClr val="000000"/>
                   </a:solidFill>
@@ -3922,7 +3922,7 @@
             </a:ln>
             <a:extLst>
               <a:ext uri="{91240B29-F687-4f45-9708-019B960494DF}">
-                <a14:hiddenLine xmlns:a14="http://schemas.microsoft.com/office/drawing/2010/main" xmlns="" w="9525">
+                <a14:hiddenLine xmlns="" xmlns:a14="http://schemas.microsoft.com/office/drawing/2010/main" w="9525">
                   <a:solidFill>
                     <a:srgbClr val="000000"/>
                   </a:solidFill>
@@ -3984,7 +3984,7 @@
             </a:ln>
             <a:extLst>
               <a:ext uri="{91240B29-F687-4f45-9708-019B960494DF}">
-                <a14:hiddenLine xmlns:a14="http://schemas.microsoft.com/office/drawing/2010/main" xmlns="" w="9525">
+                <a14:hiddenLine xmlns="" xmlns:a14="http://schemas.microsoft.com/office/drawing/2010/main" w="9525">
                   <a:solidFill>
                     <a:srgbClr val="000000"/>
                   </a:solidFill>
@@ -4104,7 +4104,7 @@
             </a:ln>
             <a:extLst>
               <a:ext uri="{91240B29-F687-4f45-9708-019B960494DF}">
-                <a14:hiddenLine xmlns:a14="http://schemas.microsoft.com/office/drawing/2010/main" xmlns="" w="9525">
+                <a14:hiddenLine xmlns="" xmlns:a14="http://schemas.microsoft.com/office/drawing/2010/main" w="9525">
                   <a:solidFill>
                     <a:srgbClr val="000000"/>
                   </a:solidFill>
@@ -4172,7 +4172,7 @@
             </a:ln>
             <a:extLst>
               <a:ext uri="{91240B29-F687-4f45-9708-019B960494DF}">
-                <a14:hiddenLine xmlns:a14="http://schemas.microsoft.com/office/drawing/2010/main" xmlns="" w="9525">
+                <a14:hiddenLine xmlns="" xmlns:a14="http://schemas.microsoft.com/office/drawing/2010/main" w="9525">
                   <a:solidFill>
                     <a:srgbClr val="000000"/>
                   </a:solidFill>
@@ -4262,7 +4262,7 @@
             </a:ln>
             <a:extLst>
               <a:ext uri="{91240B29-F687-4f45-9708-019B960494DF}">
-                <a14:hiddenLine xmlns:a14="http://schemas.microsoft.com/office/drawing/2010/main" xmlns="" w="9525">
+                <a14:hiddenLine xmlns="" xmlns:a14="http://schemas.microsoft.com/office/drawing/2010/main" w="9525">
                   <a:solidFill>
                     <a:srgbClr val="000000"/>
                   </a:solidFill>
@@ -4402,7 +4402,7 @@
           <a:p>
             <a:fld id="{48A87A34-81AB-432B-8DAE-1953F412C126}" type="datetimeFigureOut">
               <a:rPr lang="en-US" dirty="0"/>
-              <a:t>9/27/2021</a:t>
+              <a:t>9/30/2021</a:t>
             </a:fld>
             <a:endParaRPr lang="en-US" dirty="0"/>
           </a:p>
@@ -4664,7 +4664,7 @@
           <a:p>
             <a:fld id="{48A87A34-81AB-432B-8DAE-1953F412C126}" type="datetimeFigureOut">
               <a:rPr lang="en-US" dirty="0"/>
-              <a:t>9/27/2021</a:t>
+              <a:t>9/30/2021</a:t>
             </a:fld>
             <a:endParaRPr lang="en-US" dirty="0"/>
           </a:p>
@@ -4855,7 +4855,7 @@
           <a:p>
             <a:fld id="{48A87A34-81AB-432B-8DAE-1953F412C126}" type="datetimeFigureOut">
               <a:rPr lang="en-US" dirty="0"/>
-              <a:t>9/27/2021</a:t>
+              <a:t>9/30/2021</a:t>
             </a:fld>
             <a:endParaRPr lang="en-US" dirty="0"/>
           </a:p>
@@ -5113,7 +5113,7 @@
           <a:p>
             <a:fld id="{48A87A34-81AB-432B-8DAE-1953F412C126}" type="datetimeFigureOut">
               <a:rPr lang="en-US" dirty="0"/>
-              <a:t>9/27/2021</a:t>
+              <a:t>9/30/2021</a:t>
             </a:fld>
             <a:endParaRPr lang="en-US" dirty="0"/>
           </a:p>
@@ -5542,7 +5542,7 @@
           <a:p>
             <a:fld id="{48A87A34-81AB-432B-8DAE-1953F412C126}" type="datetimeFigureOut">
               <a:rPr lang="en-US" dirty="0"/>
-              <a:t>9/27/2021</a:t>
+              <a:t>9/30/2021</a:t>
             </a:fld>
             <a:endParaRPr lang="en-US" dirty="0"/>
           </a:p>
@@ -6083,7 +6083,7 @@
           <a:p>
             <a:fld id="{48A87A34-81AB-432B-8DAE-1953F412C126}" type="datetimeFigureOut">
               <a:rPr lang="en-US" dirty="0"/>
-              <a:t>9/27/2021</a:t>
+              <a:t>9/30/2021</a:t>
             </a:fld>
             <a:endParaRPr lang="en-US" dirty="0"/>
           </a:p>
@@ -6798,7 +6798,7 @@
           <a:p>
             <a:fld id="{48A87A34-81AB-432B-8DAE-1953F412C126}" type="datetimeFigureOut">
               <a:rPr lang="en-US" dirty="0"/>
-              <a:t>9/27/2021</a:t>
+              <a:t>9/30/2021</a:t>
             </a:fld>
             <a:endParaRPr lang="en-US" dirty="0"/>
           </a:p>
@@ -6963,7 +6963,7 @@
           <a:p>
             <a:fld id="{48A87A34-81AB-432B-8DAE-1953F412C126}" type="datetimeFigureOut">
               <a:rPr lang="en-US" dirty="0"/>
-              <a:t>9/27/2021</a:t>
+              <a:t>9/30/2021</a:t>
             </a:fld>
             <a:endParaRPr lang="en-US" dirty="0"/>
           </a:p>
@@ -7138,7 +7138,7 @@
           <a:p>
             <a:fld id="{48A87A34-81AB-432B-8DAE-1953F412C126}" type="datetimeFigureOut">
               <a:rPr lang="en-US" dirty="0"/>
-              <a:t>9/27/2021</a:t>
+              <a:t>9/30/2021</a:t>
             </a:fld>
             <a:endParaRPr lang="en-US" dirty="0"/>
           </a:p>
@@ -7303,7 +7303,7 @@
           <a:p>
             <a:fld id="{48A87A34-81AB-432B-8DAE-1953F412C126}" type="datetimeFigureOut">
               <a:rPr lang="en-US" dirty="0"/>
-              <a:t>9/27/2021</a:t>
+              <a:t>9/30/2021</a:t>
             </a:fld>
             <a:endParaRPr lang="en-US" dirty="0"/>
           </a:p>
@@ -7548,7 +7548,7 @@
           <a:p>
             <a:fld id="{48A87A34-81AB-432B-8DAE-1953F412C126}" type="datetimeFigureOut">
               <a:rPr lang="en-US" dirty="0"/>
-              <a:t>9/27/2021</a:t>
+              <a:t>9/30/2021</a:t>
             </a:fld>
             <a:endParaRPr lang="en-US" dirty="0"/>
           </a:p>
@@ -7775,7 +7775,7 @@
           <a:p>
             <a:fld id="{48A87A34-81AB-432B-8DAE-1953F412C126}" type="datetimeFigureOut">
               <a:rPr lang="en-US" dirty="0"/>
-              <a:t>9/27/2021</a:t>
+              <a:t>9/30/2021</a:t>
             </a:fld>
             <a:endParaRPr lang="en-US" dirty="0"/>
           </a:p>
@@ -8151,7 +8151,7 @@
           <a:p>
             <a:fld id="{48A87A34-81AB-432B-8DAE-1953F412C126}" type="datetimeFigureOut">
               <a:rPr lang="en-US" dirty="0"/>
-              <a:t>9/27/2021</a:t>
+              <a:t>9/30/2021</a:t>
             </a:fld>
             <a:endParaRPr lang="en-US" dirty="0"/>
           </a:p>
@@ -8264,7 +8264,7 @@
           <a:p>
             <a:fld id="{48A87A34-81AB-432B-8DAE-1953F412C126}" type="datetimeFigureOut">
               <a:rPr lang="en-US" dirty="0"/>
-              <a:t>9/27/2021</a:t>
+              <a:t>9/30/2021</a:t>
             </a:fld>
             <a:endParaRPr lang="en-US" dirty="0"/>
           </a:p>
@@ -8354,7 +8354,7 @@
           <a:p>
             <a:fld id="{48A87A34-81AB-432B-8DAE-1953F412C126}" type="datetimeFigureOut">
               <a:rPr lang="en-US" dirty="0"/>
-              <a:t>9/27/2021</a:t>
+              <a:t>9/30/2021</a:t>
             </a:fld>
             <a:endParaRPr lang="en-US" dirty="0"/>
           </a:p>
@@ -8598,7 +8598,7 @@
           <a:p>
             <a:fld id="{48A87A34-81AB-432B-8DAE-1953F412C126}" type="datetimeFigureOut">
               <a:rPr lang="en-US" dirty="0"/>
-              <a:t>9/27/2021</a:t>
+              <a:t>9/30/2021</a:t>
             </a:fld>
             <a:endParaRPr lang="en-US" dirty="0"/>
           </a:p>
@@ -8873,7 +8873,7 @@
           <a:p>
             <a:fld id="{48A87A34-81AB-432B-8DAE-1953F412C126}" type="datetimeFigureOut">
               <a:rPr lang="en-US" dirty="0"/>
-              <a:t>9/27/2021</a:t>
+              <a:t>9/30/2021</a:t>
             </a:fld>
             <a:endParaRPr lang="en-US" dirty="0"/>
           </a:p>
@@ -8984,7 +8984,7 @@
           <a:noFill/>
           <a:extLst>
             <a:ext uri="{909E8E84-426E-40dd-AFC4-6F175D3DCCD1}">
-              <a14:hiddenFill xmlns:a14="http://schemas.microsoft.com/office/drawing/2010/main" xmlns="">
+              <a14:hiddenFill xmlns="" xmlns:a14="http://schemas.microsoft.com/office/drawing/2010/main">
                 <a:solidFill>
                   <a:srgbClr val="FFFFFF"/>
                 </a:solidFill>
@@ -9058,7 +9058,7 @@
               </a:ln>
               <a:extLst>
                 <a:ext uri="{91240B29-F687-4f45-9708-019B960494DF}">
-                  <a14:hiddenLine xmlns:a14="http://schemas.microsoft.com/office/drawing/2010/main" xmlns="" w="9525">
+                  <a14:hiddenLine xmlns="" xmlns:a14="http://schemas.microsoft.com/office/drawing/2010/main" w="9525">
                     <a:solidFill>
                       <a:srgbClr val="000000"/>
                     </a:solidFill>
@@ -9148,7 +9148,7 @@
               </a:ln>
               <a:extLst>
                 <a:ext uri="{91240B29-F687-4f45-9708-019B960494DF}">
-                  <a14:hiddenLine xmlns:a14="http://schemas.microsoft.com/office/drawing/2010/main" xmlns="" w="9525">
+                  <a14:hiddenLine xmlns="" xmlns:a14="http://schemas.microsoft.com/office/drawing/2010/main" w="9525">
                     <a:solidFill>
                       <a:srgbClr val="000000"/>
                     </a:solidFill>
@@ -9238,7 +9238,7 @@
               </a:ln>
               <a:extLst>
                 <a:ext uri="{91240B29-F687-4f45-9708-019B960494DF}">
-                  <a14:hiddenLine xmlns:a14="http://schemas.microsoft.com/office/drawing/2010/main" xmlns="" w="9525">
+                  <a14:hiddenLine xmlns="" xmlns:a14="http://schemas.microsoft.com/office/drawing/2010/main" w="9525">
                     <a:solidFill>
                       <a:srgbClr val="000000"/>
                     </a:solidFill>
@@ -9300,7 +9300,7 @@
               </a:ln>
               <a:extLst>
                 <a:ext uri="{91240B29-F687-4f45-9708-019B960494DF}">
-                  <a14:hiddenLine xmlns:a14="http://schemas.microsoft.com/office/drawing/2010/main" xmlns="" w="9525">
+                  <a14:hiddenLine xmlns="" xmlns:a14="http://schemas.microsoft.com/office/drawing/2010/main" w="9525">
                     <a:solidFill>
                       <a:srgbClr val="000000"/>
                     </a:solidFill>
@@ -9390,7 +9390,7 @@
               </a:ln>
               <a:extLst>
                 <a:ext uri="{91240B29-F687-4f45-9708-019B960494DF}">
-                  <a14:hiddenLine xmlns:a14="http://schemas.microsoft.com/office/drawing/2010/main" xmlns="" w="9525">
+                  <a14:hiddenLine xmlns="" xmlns:a14="http://schemas.microsoft.com/office/drawing/2010/main" w="9525">
                     <a:solidFill>
                       <a:srgbClr val="000000"/>
                     </a:solidFill>
@@ -9452,7 +9452,7 @@
               </a:ln>
               <a:extLst>
                 <a:ext uri="{91240B29-F687-4f45-9708-019B960494DF}">
-                  <a14:hiddenLine xmlns:a14="http://schemas.microsoft.com/office/drawing/2010/main" xmlns="" w="9525">
+                  <a14:hiddenLine xmlns="" xmlns:a14="http://schemas.microsoft.com/office/drawing/2010/main" w="9525">
                     <a:solidFill>
                       <a:srgbClr val="000000"/>
                     </a:solidFill>
@@ -9514,7 +9514,7 @@
               </a:ln>
               <a:extLst>
                 <a:ext uri="{91240B29-F687-4f45-9708-019B960494DF}">
-                  <a14:hiddenLine xmlns:a14="http://schemas.microsoft.com/office/drawing/2010/main" xmlns="" w="9525">
+                  <a14:hiddenLine xmlns="" xmlns:a14="http://schemas.microsoft.com/office/drawing/2010/main" w="9525">
                     <a:solidFill>
                       <a:srgbClr val="000000"/>
                     </a:solidFill>
@@ -9604,7 +9604,7 @@
               </a:ln>
               <a:extLst>
                 <a:ext uri="{91240B29-F687-4f45-9708-019B960494DF}">
-                  <a14:hiddenLine xmlns:a14="http://schemas.microsoft.com/office/drawing/2010/main" xmlns="" w="9525">
+                  <a14:hiddenLine xmlns="" xmlns:a14="http://schemas.microsoft.com/office/drawing/2010/main" w="9525">
                     <a:solidFill>
                       <a:srgbClr val="000000"/>
                     </a:solidFill>
@@ -9694,7 +9694,7 @@
               </a:ln>
               <a:extLst>
                 <a:ext uri="{91240B29-F687-4f45-9708-019B960494DF}">
-                  <a14:hiddenLine xmlns:a14="http://schemas.microsoft.com/office/drawing/2010/main" xmlns="" w="9525">
+                  <a14:hiddenLine xmlns="" xmlns:a14="http://schemas.microsoft.com/office/drawing/2010/main" w="9525">
                     <a:solidFill>
                       <a:srgbClr val="000000"/>
                     </a:solidFill>
@@ -9756,7 +9756,7 @@
               </a:ln>
               <a:extLst>
                 <a:ext uri="{91240B29-F687-4f45-9708-019B960494DF}">
-                  <a14:hiddenLine xmlns:a14="http://schemas.microsoft.com/office/drawing/2010/main" xmlns="" w="9525">
+                  <a14:hiddenLine xmlns="" xmlns:a14="http://schemas.microsoft.com/office/drawing/2010/main" w="9525">
                     <a:solidFill>
                       <a:srgbClr val="000000"/>
                     </a:solidFill>
@@ -9866,7 +9866,7 @@
               </a:ln>
               <a:extLst>
                 <a:ext uri="{91240B29-F687-4f45-9708-019B960494DF}">
-                  <a14:hiddenLine xmlns:a14="http://schemas.microsoft.com/office/drawing/2010/main" xmlns="" w="9525">
+                  <a14:hiddenLine xmlns="" xmlns:a14="http://schemas.microsoft.com/office/drawing/2010/main" w="9525">
                     <a:solidFill>
                       <a:srgbClr val="000000"/>
                     </a:solidFill>
@@ -9950,7 +9950,7 @@
               </a:ln>
               <a:extLst>
                 <a:ext uri="{91240B29-F687-4f45-9708-019B960494DF}">
-                  <a14:hiddenLine xmlns:a14="http://schemas.microsoft.com/office/drawing/2010/main" xmlns="" w="9525">
+                  <a14:hiddenLine xmlns="" xmlns:a14="http://schemas.microsoft.com/office/drawing/2010/main" w="9525">
                     <a:solidFill>
                       <a:srgbClr val="000000"/>
                     </a:solidFill>
@@ -10012,7 +10012,7 @@
               </a:ln>
               <a:extLst>
                 <a:ext uri="{91240B29-F687-4f45-9708-019B960494DF}">
-                  <a14:hiddenLine xmlns:a14="http://schemas.microsoft.com/office/drawing/2010/main" xmlns="" w="9525">
+                  <a14:hiddenLine xmlns="" xmlns:a14="http://schemas.microsoft.com/office/drawing/2010/main" w="9525">
                     <a:solidFill>
                       <a:srgbClr val="000000"/>
                     </a:solidFill>
@@ -10074,7 +10074,7 @@
               </a:ln>
               <a:extLst>
                 <a:ext uri="{91240B29-F687-4f45-9708-019B960494DF}">
-                  <a14:hiddenLine xmlns:a14="http://schemas.microsoft.com/office/drawing/2010/main" xmlns="" w="9525">
+                  <a14:hiddenLine xmlns="" xmlns:a14="http://schemas.microsoft.com/office/drawing/2010/main" w="9525">
                     <a:solidFill>
                       <a:srgbClr val="000000"/>
                     </a:solidFill>
@@ -10164,7 +10164,7 @@
               </a:ln>
               <a:extLst>
                 <a:ext uri="{91240B29-F687-4f45-9708-019B960494DF}">
-                  <a14:hiddenLine xmlns:a14="http://schemas.microsoft.com/office/drawing/2010/main" xmlns="" w="9525">
+                  <a14:hiddenLine xmlns="" xmlns:a14="http://schemas.microsoft.com/office/drawing/2010/main" w="9525">
                     <a:solidFill>
                       <a:srgbClr val="000000"/>
                     </a:solidFill>
@@ -10198,7 +10198,7 @@
               </a:ln>
               <a:extLst>
                 <a:ext uri="{91240B29-F687-4f45-9708-019B960494DF}">
-                  <a14:hiddenLine xmlns:a14="http://schemas.microsoft.com/office/drawing/2010/main" xmlns="" w="9525">
+                  <a14:hiddenLine xmlns="" xmlns:a14="http://schemas.microsoft.com/office/drawing/2010/main" w="9525">
                     <a:solidFill>
                       <a:srgbClr val="000000"/>
                     </a:solidFill>
@@ -10263,7 +10263,7 @@
               </a:ln>
               <a:extLst>
                 <a:ext uri="{91240B29-F687-4f45-9708-019B960494DF}">
-                  <a14:hiddenLine xmlns:a14="http://schemas.microsoft.com/office/drawing/2010/main" xmlns="" w="9525">
+                  <a14:hiddenLine xmlns="" xmlns:a14="http://schemas.microsoft.com/office/drawing/2010/main" w="9525">
                     <a:solidFill>
                       <a:srgbClr val="000000"/>
                     </a:solidFill>
@@ -10353,7 +10353,7 @@
               </a:ln>
               <a:extLst>
                 <a:ext uri="{91240B29-F687-4f45-9708-019B960494DF}">
-                  <a14:hiddenLine xmlns:a14="http://schemas.microsoft.com/office/drawing/2010/main" xmlns="" w="9525">
+                  <a14:hiddenLine xmlns="" xmlns:a14="http://schemas.microsoft.com/office/drawing/2010/main" w="9525">
                     <a:solidFill>
                       <a:srgbClr val="000000"/>
                     </a:solidFill>
@@ -10415,7 +10415,7 @@
               </a:ln>
               <a:extLst>
                 <a:ext uri="{91240B29-F687-4f45-9708-019B960494DF}">
-                  <a14:hiddenLine xmlns:a14="http://schemas.microsoft.com/office/drawing/2010/main" xmlns="" w="9525">
+                  <a14:hiddenLine xmlns="" xmlns:a14="http://schemas.microsoft.com/office/drawing/2010/main" w="9525">
                     <a:solidFill>
                       <a:srgbClr val="000000"/>
                     </a:solidFill>
@@ -10505,7 +10505,7 @@
               </a:ln>
               <a:extLst>
                 <a:ext uri="{91240B29-F687-4f45-9708-019B960494DF}">
-                  <a14:hiddenLine xmlns:a14="http://schemas.microsoft.com/office/drawing/2010/main" xmlns="" w="9525">
+                  <a14:hiddenLine xmlns="" xmlns:a14="http://schemas.microsoft.com/office/drawing/2010/main" w="9525">
                     <a:solidFill>
                       <a:srgbClr val="000000"/>
                     </a:solidFill>
@@ -10570,7 +10570,7 @@
               </a:ln>
               <a:extLst>
                 <a:ext uri="{91240B29-F687-4f45-9708-019B960494DF}">
-                  <a14:hiddenLine xmlns:a14="http://schemas.microsoft.com/office/drawing/2010/main" xmlns="" w="9525">
+                  <a14:hiddenLine xmlns="" xmlns:a14="http://schemas.microsoft.com/office/drawing/2010/main" w="9525">
                     <a:solidFill>
                       <a:srgbClr val="000000"/>
                     </a:solidFill>
@@ -10632,7 +10632,7 @@
               </a:ln>
               <a:extLst>
                 <a:ext uri="{91240B29-F687-4f45-9708-019B960494DF}">
-                  <a14:hiddenLine xmlns:a14="http://schemas.microsoft.com/office/drawing/2010/main" xmlns="" w="9525">
+                  <a14:hiddenLine xmlns="" xmlns:a14="http://schemas.microsoft.com/office/drawing/2010/main" w="9525">
                     <a:solidFill>
                       <a:srgbClr val="000000"/>
                     </a:solidFill>
@@ -10722,7 +10722,7 @@
               </a:ln>
               <a:extLst>
                 <a:ext uri="{91240B29-F687-4f45-9708-019B960494DF}">
-                  <a14:hiddenLine xmlns:a14="http://schemas.microsoft.com/office/drawing/2010/main" xmlns="" w="9525">
+                  <a14:hiddenLine xmlns="" xmlns:a14="http://schemas.microsoft.com/office/drawing/2010/main" w="9525">
                     <a:solidFill>
                       <a:srgbClr val="000000"/>
                     </a:solidFill>
@@ -10812,7 +10812,7 @@
               </a:ln>
               <a:extLst>
                 <a:ext uri="{91240B29-F687-4f45-9708-019B960494DF}">
-                  <a14:hiddenLine xmlns:a14="http://schemas.microsoft.com/office/drawing/2010/main" xmlns="" w="9525">
+                  <a14:hiddenLine xmlns="" xmlns:a14="http://schemas.microsoft.com/office/drawing/2010/main" w="9525">
                     <a:solidFill>
                       <a:srgbClr val="000000"/>
                     </a:solidFill>
@@ -10877,7 +10877,7 @@
               </a:ln>
               <a:extLst>
                 <a:ext uri="{91240B29-F687-4f45-9708-019B960494DF}">
-                  <a14:hiddenLine xmlns:a14="http://schemas.microsoft.com/office/drawing/2010/main" xmlns="" w="9525">
+                  <a14:hiddenLine xmlns="" xmlns:a14="http://schemas.microsoft.com/office/drawing/2010/main" w="9525">
                     <a:solidFill>
                       <a:srgbClr val="000000"/>
                     </a:solidFill>
@@ -10997,7 +10997,7 @@
               </a:ln>
               <a:extLst>
                 <a:ext uri="{91240B29-F687-4f45-9708-019B960494DF}">
-                  <a14:hiddenLine xmlns:a14="http://schemas.microsoft.com/office/drawing/2010/main" xmlns="" w="9525">
+                  <a14:hiddenLine xmlns="" xmlns:a14="http://schemas.microsoft.com/office/drawing/2010/main" w="9525">
                     <a:solidFill>
                       <a:srgbClr val="000000"/>
                     </a:solidFill>
@@ -11095,7 +11095,7 @@
               </a:ln>
               <a:extLst>
                 <a:ext uri="{91240B29-F687-4f45-9708-019B960494DF}">
-                  <a14:hiddenLine xmlns:a14="http://schemas.microsoft.com/office/drawing/2010/main" xmlns="" w="9525">
+                  <a14:hiddenLine xmlns="" xmlns:a14="http://schemas.microsoft.com/office/drawing/2010/main" w="9525">
                     <a:solidFill>
                       <a:srgbClr val="000000"/>
                     </a:solidFill>
@@ -11210,7 +11210,7 @@
               </a:ln>
               <a:extLst>
                 <a:ext uri="{91240B29-F687-4f45-9708-019B960494DF}">
-                  <a14:hiddenLine xmlns:a14="http://schemas.microsoft.com/office/drawing/2010/main" xmlns="" w="9525">
+                  <a14:hiddenLine xmlns="" xmlns:a14="http://schemas.microsoft.com/office/drawing/2010/main" w="9525">
                     <a:solidFill>
                       <a:srgbClr val="000000"/>
                     </a:solidFill>
@@ -11300,7 +11300,7 @@
               </a:ln>
               <a:extLst>
                 <a:ext uri="{91240B29-F687-4f45-9708-019B960494DF}">
-                  <a14:hiddenLine xmlns:a14="http://schemas.microsoft.com/office/drawing/2010/main" xmlns="" w="9525">
+                  <a14:hiddenLine xmlns="" xmlns:a14="http://schemas.microsoft.com/office/drawing/2010/main" w="9525">
                     <a:solidFill>
                       <a:srgbClr val="000000"/>
                     </a:solidFill>
@@ -11365,7 +11365,7 @@
               </a:ln>
               <a:extLst>
                 <a:ext uri="{91240B29-F687-4f45-9708-019B960494DF}">
-                  <a14:hiddenLine xmlns:a14="http://schemas.microsoft.com/office/drawing/2010/main" xmlns="" w="9525">
+                  <a14:hiddenLine xmlns="" xmlns:a14="http://schemas.microsoft.com/office/drawing/2010/main" w="9525">
                     <a:solidFill>
                       <a:srgbClr val="000000"/>
                     </a:solidFill>
@@ -11455,7 +11455,7 @@
               </a:ln>
               <a:extLst>
                 <a:ext uri="{91240B29-F687-4f45-9708-019B960494DF}">
-                  <a14:hiddenLine xmlns:a14="http://schemas.microsoft.com/office/drawing/2010/main" xmlns="" w="9525">
+                  <a14:hiddenLine xmlns="" xmlns:a14="http://schemas.microsoft.com/office/drawing/2010/main" w="9525">
                     <a:solidFill>
                       <a:srgbClr val="000000"/>
                     </a:solidFill>
@@ -11523,7 +11523,7 @@
               </a:ln>
               <a:extLst>
                 <a:ext uri="{91240B29-F687-4f45-9708-019B960494DF}">
-                  <a14:hiddenLine xmlns:a14="http://schemas.microsoft.com/office/drawing/2010/main" xmlns="" w="9525">
+                  <a14:hiddenLine xmlns="" xmlns:a14="http://schemas.microsoft.com/office/drawing/2010/main" w="9525">
                     <a:solidFill>
                       <a:srgbClr val="000000"/>
                     </a:solidFill>
@@ -11613,7 +11613,7 @@
               </a:ln>
               <a:extLst>
                 <a:ext uri="{91240B29-F687-4f45-9708-019B960494DF}">
-                  <a14:hiddenLine xmlns:a14="http://schemas.microsoft.com/office/drawing/2010/main" xmlns="" w="9525">
+                  <a14:hiddenLine xmlns="" xmlns:a14="http://schemas.microsoft.com/office/drawing/2010/main" w="9525">
                     <a:solidFill>
                       <a:srgbClr val="000000"/>
                     </a:solidFill>
@@ -11681,7 +11681,7 @@
               </a:ln>
               <a:extLst>
                 <a:ext uri="{91240B29-F687-4f45-9708-019B960494DF}">
-                  <a14:hiddenLine xmlns:a14="http://schemas.microsoft.com/office/drawing/2010/main" xmlns="" w="9525">
+                  <a14:hiddenLine xmlns="" xmlns:a14="http://schemas.microsoft.com/office/drawing/2010/main" w="9525">
                     <a:solidFill>
                       <a:srgbClr val="000000"/>
                     </a:solidFill>
@@ -11771,7 +11771,7 @@
               </a:ln>
               <a:extLst>
                 <a:ext uri="{91240B29-F687-4f45-9708-019B960494DF}">
-                  <a14:hiddenLine xmlns:a14="http://schemas.microsoft.com/office/drawing/2010/main" xmlns="" w="9525">
+                  <a14:hiddenLine xmlns="" xmlns:a14="http://schemas.microsoft.com/office/drawing/2010/main" w="9525">
                     <a:solidFill>
                       <a:srgbClr val="000000"/>
                     </a:solidFill>
@@ -11805,7 +11805,7 @@
               </a:ln>
               <a:extLst>
                 <a:ext uri="{91240B29-F687-4f45-9708-019B960494DF}">
-                  <a14:hiddenLine xmlns:a14="http://schemas.microsoft.com/office/drawing/2010/main" xmlns="" w="9525">
+                  <a14:hiddenLine xmlns="" xmlns:a14="http://schemas.microsoft.com/office/drawing/2010/main" w="9525">
                     <a:solidFill>
                       <a:srgbClr val="000000"/>
                     </a:solidFill>
@@ -11946,7 +11946,7 @@
             <a:fld id="{48A87A34-81AB-432B-8DAE-1953F412C126}" type="datetimeFigureOut">
               <a:rPr lang="en-US" dirty="0"/>
               <a:pPr/>
-              <a:t>9/27/2021</a:t>
+              <a:t>9/30/2021</a:t>
             </a:fld>
             <a:endParaRPr lang="en-US" dirty="0"/>
           </a:p>
@@ -13772,12 +13772,12 @@
         <p:spPr>
           <a:xfrm>
             <a:off x="1141412" y="1498060"/>
-            <a:ext cx="9905999" cy="4293141"/>
+            <a:ext cx="9905999" cy="4964286"/>
           </a:xfrm>
         </p:spPr>
         <p:txBody>
           <a:bodyPr>
-            <a:normAutofit lnSpcReduction="10000"/>
+            <a:normAutofit fontScale="92500" lnSpcReduction="10000"/>
           </a:bodyPr>
           <a:lstStyle/>
           <a:p>
@@ -13849,6 +13849,21 @@
             <a:r>
               <a:rPr lang="en-US" dirty="0"/>
               <a:t>Queries that fail are silently retried 3 times, with exponential backoff delay before capturing and displaying an error to the UI.</a:t>
+            </a:r>
+          </a:p>
+          <a:p>
+            <a:r>
+              <a:rPr lang="en-US" dirty="0"/>
+              <a:t>To configure default =&gt;  </a:t>
+            </a:r>
+          </a:p>
+          <a:p>
+            <a:pPr marL="0" indent="0">
+              <a:buNone/>
+            </a:pPr>
+            <a:r>
+              <a:rPr lang="en-US" dirty="0"/>
+              <a:t>https://react-query.tanstack.com/reference/QueryClient#queryclientgetdefaultoptions</a:t>
             </a:r>
           </a:p>
           <a:p>
